--- a/프로젝트 발표자료/스크립트 언어 기획 발표.pptx
+++ b/프로젝트 발표자료/스크립트 언어 기획 발표.pptx
@@ -9,6 +9,8 @@
     <p:sldId id="257" r:id="rId3"/>
     <p:sldId id="259" r:id="rId4"/>
     <p:sldId id="258" r:id="rId5"/>
+    <p:sldId id="260" r:id="rId6"/>
+    <p:sldId id="261" r:id="rId7"/>
   </p:sldIdLst>
   <p:sldSz cx="12192000" cy="6858000"/>
   <p:notesSz cx="6858000" cy="9144000"/>
@@ -107,6 +109,11 @@
       </a:defRPr>
     </a:lvl9pPr>
   </p:defaultTextStyle>
+  <p:extLst>
+    <p:ext uri="{EFAFB233-063F-42B5-8137-9DF3F51BA10A}">
+      <p15:sldGuideLst xmlns:p15="http://schemas.microsoft.com/office/powerpoint/2012/main"/>
+    </p:ext>
+  </p:extLst>
 </p:presentation>
 </file>
 
@@ -4616,6 +4623,53 @@
           </a:prstGeom>
         </p:spPr>
       </p:pic>
+      <p:pic>
+        <p:nvPicPr>
+          <p:cNvPr id="8" name="Picture 2" descr="마음으로 집 아이콘 | 프리미엄 벡터">
+            <a:extLst>
+              <a:ext uri="{FF2B5EF4-FFF2-40B4-BE49-F238E27FC236}">
+                <a16:creationId xmlns:a16="http://schemas.microsoft.com/office/drawing/2014/main" id="{36DC6773-1442-E4D0-6423-B13FFF35BABD}"/>
+              </a:ext>
+            </a:extLst>
+          </p:cNvPr>
+          <p:cNvPicPr>
+            <a:picLocks noChangeAspect="1" noChangeArrowheads="1"/>
+          </p:cNvPicPr>
+          <p:nvPr/>
+        </p:nvPicPr>
+        <p:blipFill>
+          <a:blip r:embed="rId4">
+            <a:extLst>
+              <a:ext uri="{28A0092B-C50C-407E-A947-70E740481C1C}">
+                <a14:useLocalDpi xmlns:a14="http://schemas.microsoft.com/office/drawing/2010/main" val="0"/>
+              </a:ext>
+            </a:extLst>
+          </a:blip>
+          <a:srcRect/>
+          <a:stretch>
+            <a:fillRect/>
+          </a:stretch>
+        </p:blipFill>
+        <p:spPr bwMode="auto">
+          <a:xfrm>
+            <a:off x="4483192" y="1058066"/>
+            <a:ext cx="638497" cy="638497"/>
+          </a:xfrm>
+          <a:prstGeom prst="rect">
+            <a:avLst/>
+          </a:prstGeom>
+          <a:noFill/>
+          <a:extLst>
+            <a:ext uri="{909E8E84-426E-40DD-AFC4-6F175D3DCCD1}">
+              <a14:hiddenFill xmlns:a14="http://schemas.microsoft.com/office/drawing/2010/main">
+                <a:solidFill>
+                  <a:srgbClr val="FFFFFF"/>
+                </a:solidFill>
+              </a14:hiddenFill>
+            </a:ext>
+          </a:extLst>
+        </p:spPr>
+      </p:pic>
     </p:spTree>
     <p:extLst>
       <p:ext uri="{BB962C8B-B14F-4D97-AF65-F5344CB8AC3E}">
@@ -4687,83 +4741,6 @@
           </a:p>
         </p:txBody>
       </p:sp>
-      <p:sp>
-        <p:nvSpPr>
-          <p:cNvPr id="11" name="제목 1">
-            <a:extLst>
-              <a:ext uri="{FF2B5EF4-FFF2-40B4-BE49-F238E27FC236}">
-                <a16:creationId xmlns:a16="http://schemas.microsoft.com/office/drawing/2014/main" id="{A194904C-D32A-77D8-6310-DBEDD5455D9E}"/>
-              </a:ext>
-            </a:extLst>
-          </p:cNvPr>
-          <p:cNvSpPr txBox="1">
-            <a:spLocks/>
-          </p:cNvSpPr>
-          <p:nvPr/>
-        </p:nvSpPr>
-        <p:spPr>
-          <a:xfrm>
-            <a:off x="4179229" y="1183888"/>
-            <a:ext cx="3833541" cy="415533"/>
-          </a:xfrm>
-          <a:prstGeom prst="rect">
-            <a:avLst/>
-          </a:prstGeom>
-        </p:spPr>
-        <p:txBody>
-          <a:bodyPr vert="horz" lIns="91440" tIns="45720" rIns="91440" bIns="45720" rtlCol="0" anchor="ctr">
-            <a:normAutofit fontScale="92500" lnSpcReduction="20000"/>
-          </a:bodyPr>
-          <a:lstStyle>
-            <a:lvl1pPr algn="l" defTabSz="914400" rtl="0" eaLnBrk="1" latinLnBrk="1" hangingPunct="1">
-              <a:lnSpc>
-                <a:spcPct val="90000"/>
-              </a:lnSpc>
-              <a:spcBef>
-                <a:spcPct val="0"/>
-              </a:spcBef>
-              <a:buNone/>
-              <a:defRPr sz="3200" b="0" i="0" kern="1200" cap="all">
-                <a:solidFill>
-                  <a:schemeClr val="tx1"/>
-                </a:solidFill>
-                <a:effectLst/>
-                <a:latin typeface="+mj-lt"/>
-                <a:ea typeface="+mj-ea"/>
-                <a:cs typeface="+mj-cs"/>
-              </a:defRPr>
-            </a:lvl1pPr>
-          </a:lstStyle>
-          <a:p>
-            <a:pPr algn="ctr"/>
-            <a:r>
-              <a:rPr lang="ko-KR" altLang="en-US" dirty="0">
-                <a:latin typeface="휴먼둥근헤드라인" panose="02030504000101010101" pitchFamily="18" charset="-127"/>
-                <a:ea typeface="휴먼둥근헤드라인" panose="02030504000101010101" pitchFamily="18" charset="-127"/>
-              </a:rPr>
-              <a:t>  </a:t>
-            </a:r>
-            <a:r>
-              <a:rPr lang="ko-KR" altLang="en-US" u="sng" dirty="0">
-                <a:latin typeface="휴먼둥근헤드라인" panose="02030504000101010101" pitchFamily="18" charset="-127"/>
-                <a:ea typeface="휴먼둥근헤드라인" panose="02030504000101010101" pitchFamily="18" charset="-127"/>
-              </a:rPr>
-              <a:t>사용할 </a:t>
-            </a:r>
-            <a:r>
-              <a:rPr lang="en-US" altLang="ko-KR" u="sng" dirty="0" err="1">
-                <a:latin typeface="휴먼둥근헤드라인" panose="02030504000101010101" pitchFamily="18" charset="-127"/>
-                <a:ea typeface="휴먼둥근헤드라인" panose="02030504000101010101" pitchFamily="18" charset="-127"/>
-              </a:rPr>
-              <a:t>aPI</a:t>
-            </a:r>
-            <a:endParaRPr lang="ko-KR" altLang="en-US" u="sng" dirty="0">
-              <a:latin typeface="휴먼둥근헤드라인" panose="02030504000101010101" pitchFamily="18" charset="-127"/>
-              <a:ea typeface="휴먼둥근헤드라인" panose="02030504000101010101" pitchFamily="18" charset="-127"/>
-            </a:endParaRPr>
-          </a:p>
-        </p:txBody>
-      </p:sp>
       <p:pic>
         <p:nvPicPr>
           <p:cNvPr id="17" name="그림 16">
@@ -4794,10 +4771,1569 @@
           </a:prstGeom>
         </p:spPr>
       </p:pic>
+      <p:sp>
+        <p:nvSpPr>
+          <p:cNvPr id="10" name="제목 1">
+            <a:extLst>
+              <a:ext uri="{FF2B5EF4-FFF2-40B4-BE49-F238E27FC236}">
+                <a16:creationId xmlns:a16="http://schemas.microsoft.com/office/drawing/2014/main" id="{DF23B9BD-8FB0-57E8-93A7-03712C1CEF7B}"/>
+              </a:ext>
+            </a:extLst>
+          </p:cNvPr>
+          <p:cNvSpPr txBox="1">
+            <a:spLocks/>
+          </p:cNvSpPr>
+          <p:nvPr/>
+        </p:nvSpPr>
+        <p:spPr>
+          <a:xfrm>
+            <a:off x="4179229" y="1183888"/>
+            <a:ext cx="3833541" cy="415533"/>
+          </a:xfrm>
+          <a:prstGeom prst="rect">
+            <a:avLst/>
+          </a:prstGeom>
+        </p:spPr>
+        <p:txBody>
+          <a:bodyPr vert="horz" lIns="91440" tIns="45720" rIns="91440" bIns="45720" rtlCol="0" anchor="ctr">
+            <a:normAutofit fontScale="92500" lnSpcReduction="20000"/>
+          </a:bodyPr>
+          <a:lstStyle>
+            <a:lvl1pPr algn="l" defTabSz="914400" rtl="0" eaLnBrk="1" latinLnBrk="1" hangingPunct="1">
+              <a:lnSpc>
+                <a:spcPct val="90000"/>
+              </a:lnSpc>
+              <a:spcBef>
+                <a:spcPct val="0"/>
+              </a:spcBef>
+              <a:buNone/>
+              <a:defRPr sz="3200" b="0" i="0" kern="1200" cap="all">
+                <a:solidFill>
+                  <a:schemeClr val="tx1"/>
+                </a:solidFill>
+                <a:effectLst/>
+                <a:latin typeface="+mj-lt"/>
+                <a:ea typeface="+mj-ea"/>
+                <a:cs typeface="+mj-cs"/>
+              </a:defRPr>
+            </a:lvl1pPr>
+          </a:lstStyle>
+          <a:p>
+            <a:pPr algn="ctr"/>
+            <a:r>
+              <a:rPr lang="ko-KR" altLang="en-US" dirty="0">
+                <a:latin typeface="휴먼둥근헤드라인" panose="02030504000101010101" pitchFamily="18" charset="-127"/>
+                <a:ea typeface="휴먼둥근헤드라인" panose="02030504000101010101" pitchFamily="18" charset="-127"/>
+              </a:rPr>
+              <a:t>  </a:t>
+            </a:r>
+            <a:r>
+              <a:rPr lang="ko-KR" altLang="en-US" u="sng" dirty="0">
+                <a:latin typeface="휴먼둥근헤드라인" panose="02030504000101010101" pitchFamily="18" charset="-127"/>
+                <a:ea typeface="휴먼둥근헤드라인" panose="02030504000101010101" pitchFamily="18" charset="-127"/>
+              </a:rPr>
+              <a:t>사용할 </a:t>
+            </a:r>
+            <a:r>
+              <a:rPr lang="en-US" altLang="ko-KR" u="sng" dirty="0" err="1">
+                <a:latin typeface="휴먼둥근헤드라인" panose="02030504000101010101" pitchFamily="18" charset="-127"/>
+                <a:ea typeface="휴먼둥근헤드라인" panose="02030504000101010101" pitchFamily="18" charset="-127"/>
+              </a:rPr>
+              <a:t>aPI</a:t>
+            </a:r>
+            <a:endParaRPr lang="ko-KR" altLang="en-US" u="sng" dirty="0">
+              <a:latin typeface="휴먼둥근헤드라인" panose="02030504000101010101" pitchFamily="18" charset="-127"/>
+              <a:ea typeface="휴먼둥근헤드라인" panose="02030504000101010101" pitchFamily="18" charset="-127"/>
+            </a:endParaRPr>
+          </a:p>
+        </p:txBody>
+      </p:sp>
+      <p:pic>
+        <p:nvPicPr>
+          <p:cNvPr id="12" name="Picture 2" descr="마음으로 집 아이콘 | 프리미엄 벡터">
+            <a:extLst>
+              <a:ext uri="{FF2B5EF4-FFF2-40B4-BE49-F238E27FC236}">
+                <a16:creationId xmlns:a16="http://schemas.microsoft.com/office/drawing/2014/main" id="{DAB05AF1-10AE-6FBD-C5EA-C5FD58249F90}"/>
+              </a:ext>
+            </a:extLst>
+          </p:cNvPr>
+          <p:cNvPicPr>
+            <a:picLocks noChangeAspect="1" noChangeArrowheads="1"/>
+          </p:cNvPicPr>
+          <p:nvPr/>
+        </p:nvPicPr>
+        <p:blipFill>
+          <a:blip r:embed="rId3">
+            <a:extLst>
+              <a:ext uri="{28A0092B-C50C-407E-A947-70E740481C1C}">
+                <a14:useLocalDpi xmlns:a14="http://schemas.microsoft.com/office/drawing/2010/main" val="0"/>
+              </a:ext>
+            </a:extLst>
+          </a:blip>
+          <a:srcRect/>
+          <a:stretch>
+            <a:fillRect/>
+          </a:stretch>
+        </p:blipFill>
+        <p:spPr bwMode="auto">
+          <a:xfrm>
+            <a:off x="4483192" y="1058066"/>
+            <a:ext cx="638497" cy="638497"/>
+          </a:xfrm>
+          <a:prstGeom prst="rect">
+            <a:avLst/>
+          </a:prstGeom>
+          <a:noFill/>
+          <a:extLst>
+            <a:ext uri="{909E8E84-426E-40DD-AFC4-6F175D3DCCD1}">
+              <a14:hiddenFill xmlns:a14="http://schemas.microsoft.com/office/drawing/2010/main">
+                <a:solidFill>
+                  <a:srgbClr val="FFFFFF"/>
+                </a:solidFill>
+              </a14:hiddenFill>
+            </a:ext>
+          </a:extLst>
+        </p:spPr>
+      </p:pic>
     </p:spTree>
     <p:extLst>
       <p:ext uri="{BB962C8B-B14F-4D97-AF65-F5344CB8AC3E}">
         <p14:creationId xmlns:p14="http://schemas.microsoft.com/office/powerpoint/2010/main" val="1576107974"/>
+      </p:ext>
+    </p:extLst>
+  </p:cSld>
+  <p:clrMapOvr>
+    <a:masterClrMapping/>
+  </p:clrMapOvr>
+</p:sld>
+</file>
+
+<file path=ppt/slides/slide5.xml><?xml version="1.0" encoding="utf-8"?>
+<p:sld xmlns:a="http://schemas.openxmlformats.org/drawingml/2006/main" xmlns:r="http://schemas.openxmlformats.org/officeDocument/2006/relationships" xmlns:p="http://schemas.openxmlformats.org/presentationml/2006/main">
+  <p:cSld>
+    <p:spTree>
+      <p:nvGrpSpPr>
+        <p:cNvPr id="1" name=""/>
+        <p:cNvGrpSpPr/>
+        <p:nvPr/>
+      </p:nvGrpSpPr>
+      <p:grpSpPr>
+        <a:xfrm>
+          <a:off x="0" y="0"/>
+          <a:ext cx="0" cy="0"/>
+          <a:chOff x="0" y="0"/>
+          <a:chExt cx="0" cy="0"/>
+        </a:xfrm>
+      </p:grpSpPr>
+      <p:sp>
+        <p:nvSpPr>
+          <p:cNvPr id="5" name="제목 1">
+            <a:extLst>
+              <a:ext uri="{FF2B5EF4-FFF2-40B4-BE49-F238E27FC236}">
+                <a16:creationId xmlns:a16="http://schemas.microsoft.com/office/drawing/2014/main" id="{4E29E85C-7583-BDBA-A6DB-5A64AC18B199}"/>
+              </a:ext>
+            </a:extLst>
+          </p:cNvPr>
+          <p:cNvSpPr txBox="1">
+            <a:spLocks/>
+          </p:cNvSpPr>
+          <p:nvPr/>
+        </p:nvSpPr>
+        <p:spPr>
+          <a:xfrm>
+            <a:off x="4179229" y="1183888"/>
+            <a:ext cx="3833541" cy="415533"/>
+          </a:xfrm>
+          <a:prstGeom prst="rect">
+            <a:avLst/>
+          </a:prstGeom>
+        </p:spPr>
+        <p:txBody>
+          <a:bodyPr vert="horz" lIns="91440" tIns="45720" rIns="91440" bIns="45720" rtlCol="0" anchor="ctr">
+            <a:normAutofit fontScale="92500" lnSpcReduction="20000"/>
+          </a:bodyPr>
+          <a:lstStyle>
+            <a:lvl1pPr algn="l" defTabSz="914400" rtl="0" eaLnBrk="1" latinLnBrk="1" hangingPunct="1">
+              <a:lnSpc>
+                <a:spcPct val="90000"/>
+              </a:lnSpc>
+              <a:spcBef>
+                <a:spcPct val="0"/>
+              </a:spcBef>
+              <a:buNone/>
+              <a:defRPr sz="3200" b="0" i="0" kern="1200" cap="all">
+                <a:solidFill>
+                  <a:schemeClr val="tx1"/>
+                </a:solidFill>
+                <a:effectLst/>
+                <a:latin typeface="+mj-lt"/>
+                <a:ea typeface="+mj-ea"/>
+                <a:cs typeface="+mj-cs"/>
+              </a:defRPr>
+            </a:lvl1pPr>
+          </a:lstStyle>
+          <a:p>
+            <a:pPr algn="ctr"/>
+            <a:r>
+              <a:rPr lang="ko-KR" altLang="en-US" dirty="0">
+                <a:latin typeface="휴먼둥근헤드라인" panose="02030504000101010101" pitchFamily="18" charset="-127"/>
+                <a:ea typeface="휴먼둥근헤드라인" panose="02030504000101010101" pitchFamily="18" charset="-127"/>
+              </a:rPr>
+              <a:t>  </a:t>
+            </a:r>
+            <a:r>
+              <a:rPr lang="en-US" altLang="ko-KR" u="sng" dirty="0">
+                <a:latin typeface="휴먼둥근헤드라인" panose="02030504000101010101" pitchFamily="18" charset="-127"/>
+                <a:ea typeface="휴먼둥근헤드라인" panose="02030504000101010101" pitchFamily="18" charset="-127"/>
+              </a:rPr>
+              <a:t>UI </a:t>
+            </a:r>
+            <a:r>
+              <a:rPr lang="ko-KR" altLang="en-US" u="sng" dirty="0">
+                <a:latin typeface="휴먼둥근헤드라인" panose="02030504000101010101" pitchFamily="18" charset="-127"/>
+                <a:ea typeface="휴먼둥근헤드라인" panose="02030504000101010101" pitchFamily="18" charset="-127"/>
+              </a:rPr>
+              <a:t>구성</a:t>
+            </a:r>
+          </a:p>
+        </p:txBody>
+      </p:sp>
+      <p:pic>
+        <p:nvPicPr>
+          <p:cNvPr id="6" name="Picture 2" descr="마음으로 집 아이콘 | 프리미엄 벡터">
+            <a:extLst>
+              <a:ext uri="{FF2B5EF4-FFF2-40B4-BE49-F238E27FC236}">
+                <a16:creationId xmlns:a16="http://schemas.microsoft.com/office/drawing/2014/main" id="{2BEA5F50-B2C3-C517-F0BF-6EC65DAF5DED}"/>
+              </a:ext>
+            </a:extLst>
+          </p:cNvPr>
+          <p:cNvPicPr>
+            <a:picLocks noChangeAspect="1" noChangeArrowheads="1"/>
+          </p:cNvPicPr>
+          <p:nvPr/>
+        </p:nvPicPr>
+        <p:blipFill>
+          <a:blip r:embed="rId2">
+            <a:extLst>
+              <a:ext uri="{28A0092B-C50C-407E-A947-70E740481C1C}">
+                <a14:useLocalDpi xmlns:a14="http://schemas.microsoft.com/office/drawing/2010/main" val="0"/>
+              </a:ext>
+            </a:extLst>
+          </a:blip>
+          <a:srcRect/>
+          <a:stretch>
+            <a:fillRect/>
+          </a:stretch>
+        </p:blipFill>
+        <p:spPr bwMode="auto">
+          <a:xfrm>
+            <a:off x="4483192" y="1058066"/>
+            <a:ext cx="638497" cy="638497"/>
+          </a:xfrm>
+          <a:prstGeom prst="rect">
+            <a:avLst/>
+          </a:prstGeom>
+          <a:noFill/>
+          <a:extLst>
+            <a:ext uri="{909E8E84-426E-40DD-AFC4-6F175D3DCCD1}">
+              <a14:hiddenFill xmlns:a14="http://schemas.microsoft.com/office/drawing/2010/main">
+                <a:solidFill>
+                  <a:srgbClr val="FFFFFF"/>
+                </a:solidFill>
+              </a14:hiddenFill>
+            </a:ext>
+          </a:extLst>
+        </p:spPr>
+      </p:pic>
+      <p:sp>
+        <p:nvSpPr>
+          <p:cNvPr id="2" name="직사각형 1">
+            <a:extLst>
+              <a:ext uri="{FF2B5EF4-FFF2-40B4-BE49-F238E27FC236}">
+                <a16:creationId xmlns:a16="http://schemas.microsoft.com/office/drawing/2014/main" id="{B2F3376C-2A64-EDC7-B65E-98CB304A3D8A}"/>
+              </a:ext>
+            </a:extLst>
+          </p:cNvPr>
+          <p:cNvSpPr/>
+          <p:nvPr/>
+        </p:nvSpPr>
+        <p:spPr>
+          <a:xfrm>
+            <a:off x="3518193" y="2080886"/>
+            <a:ext cx="4494577" cy="3450613"/>
+          </a:xfrm>
+          <a:prstGeom prst="rect">
+            <a:avLst/>
+          </a:prstGeom>
+        </p:spPr>
+        <p:style>
+          <a:lnRef idx="2">
+            <a:schemeClr val="accent6">
+              <a:shade val="50000"/>
+            </a:schemeClr>
+          </a:lnRef>
+          <a:fillRef idx="1">
+            <a:schemeClr val="accent6"/>
+          </a:fillRef>
+          <a:effectRef idx="0">
+            <a:schemeClr val="accent6"/>
+          </a:effectRef>
+          <a:fontRef idx="minor">
+            <a:schemeClr val="lt1"/>
+          </a:fontRef>
+        </p:style>
+        <p:txBody>
+          <a:bodyPr rtlCol="0" anchor="ctr"/>
+          <a:lstStyle/>
+          <a:p>
+            <a:pPr algn="ctr"/>
+            <a:endParaRPr lang="ko-KR" altLang="en-US"/>
+          </a:p>
+        </p:txBody>
+      </p:sp>
+      <p:sp>
+        <p:nvSpPr>
+          <p:cNvPr id="10" name="직사각형 9">
+            <a:extLst>
+              <a:ext uri="{FF2B5EF4-FFF2-40B4-BE49-F238E27FC236}">
+                <a16:creationId xmlns:a16="http://schemas.microsoft.com/office/drawing/2014/main" id="{37D67A44-EC32-245F-D3D7-46F80AF58AAE}"/>
+              </a:ext>
+            </a:extLst>
+          </p:cNvPr>
+          <p:cNvSpPr/>
+          <p:nvPr/>
+        </p:nvSpPr>
+        <p:spPr>
+          <a:xfrm>
+            <a:off x="4011028" y="2780932"/>
+            <a:ext cx="1582825" cy="330281"/>
+          </a:xfrm>
+          <a:prstGeom prst="rect">
+            <a:avLst/>
+          </a:prstGeom>
+          <a:solidFill>
+            <a:schemeClr val="bg1"/>
+          </a:solidFill>
+        </p:spPr>
+        <p:style>
+          <a:lnRef idx="2">
+            <a:schemeClr val="dk1">
+              <a:shade val="50000"/>
+            </a:schemeClr>
+          </a:lnRef>
+          <a:fillRef idx="1">
+            <a:schemeClr val="dk1"/>
+          </a:fillRef>
+          <a:effectRef idx="0">
+            <a:schemeClr val="dk1"/>
+          </a:effectRef>
+          <a:fontRef idx="minor">
+            <a:schemeClr val="lt1"/>
+          </a:fontRef>
+        </p:style>
+        <p:txBody>
+          <a:bodyPr rtlCol="0" anchor="ctr"/>
+          <a:lstStyle/>
+          <a:p>
+            <a:pPr algn="ctr"/>
+            <a:r>
+              <a:rPr lang="ko-KR" altLang="en-US" dirty="0">
+                <a:solidFill>
+                  <a:schemeClr val="tx1"/>
+                </a:solidFill>
+              </a:rPr>
+              <a:t>지역 </a:t>
+            </a:r>
+            <a:r>
+              <a:rPr lang="ko-KR" altLang="en-US" dirty="0" err="1">
+                <a:solidFill>
+                  <a:schemeClr val="tx1"/>
+                </a:solidFill>
+              </a:rPr>
+              <a:t>서택</a:t>
+            </a:r>
+            <a:endParaRPr lang="ko-KR" altLang="en-US" dirty="0">
+              <a:solidFill>
+                <a:schemeClr val="tx1"/>
+              </a:solidFill>
+            </a:endParaRPr>
+          </a:p>
+        </p:txBody>
+      </p:sp>
+      <p:sp>
+        <p:nvSpPr>
+          <p:cNvPr id="13" name="직사각형 12">
+            <a:extLst>
+              <a:ext uri="{FF2B5EF4-FFF2-40B4-BE49-F238E27FC236}">
+                <a16:creationId xmlns:a16="http://schemas.microsoft.com/office/drawing/2014/main" id="{266A3374-4CCD-31BF-5D30-DD9CC9C7A159}"/>
+              </a:ext>
+            </a:extLst>
+          </p:cNvPr>
+          <p:cNvSpPr/>
+          <p:nvPr/>
+        </p:nvSpPr>
+        <p:spPr>
+          <a:xfrm>
+            <a:off x="5882204" y="2677118"/>
+            <a:ext cx="1842214" cy="537907"/>
+          </a:xfrm>
+          <a:prstGeom prst="rect">
+            <a:avLst/>
+          </a:prstGeom>
+          <a:solidFill>
+            <a:schemeClr val="bg1"/>
+          </a:solidFill>
+        </p:spPr>
+        <p:style>
+          <a:lnRef idx="2">
+            <a:schemeClr val="dk1">
+              <a:shade val="50000"/>
+            </a:schemeClr>
+          </a:lnRef>
+          <a:fillRef idx="1">
+            <a:schemeClr val="dk1"/>
+          </a:fillRef>
+          <a:effectRef idx="0">
+            <a:schemeClr val="dk1"/>
+          </a:effectRef>
+          <a:fontRef idx="minor">
+            <a:schemeClr val="lt1"/>
+          </a:fontRef>
+        </p:style>
+        <p:txBody>
+          <a:bodyPr rtlCol="0" anchor="ctr"/>
+          <a:lstStyle/>
+          <a:p>
+            <a:pPr algn="ctr"/>
+            <a:r>
+              <a:rPr lang="ko-KR" altLang="en-US" dirty="0">
+                <a:solidFill>
+                  <a:schemeClr val="tx1"/>
+                </a:solidFill>
+              </a:rPr>
+              <a:t>검색 창</a:t>
+            </a:r>
+          </a:p>
+        </p:txBody>
+      </p:sp>
+      <p:sp>
+        <p:nvSpPr>
+          <p:cNvPr id="14" name="직사각형 13">
+            <a:extLst>
+              <a:ext uri="{FF2B5EF4-FFF2-40B4-BE49-F238E27FC236}">
+                <a16:creationId xmlns:a16="http://schemas.microsoft.com/office/drawing/2014/main" id="{1F291B7A-9CC4-B778-E594-BD5EA385BF9B}"/>
+              </a:ext>
+            </a:extLst>
+          </p:cNvPr>
+          <p:cNvSpPr/>
+          <p:nvPr/>
+        </p:nvSpPr>
+        <p:spPr>
+          <a:xfrm>
+            <a:off x="4011028" y="3282580"/>
+            <a:ext cx="1582826" cy="1471772"/>
+          </a:xfrm>
+          <a:prstGeom prst="rect">
+            <a:avLst/>
+          </a:prstGeom>
+          <a:solidFill>
+            <a:schemeClr val="bg1"/>
+          </a:solidFill>
+        </p:spPr>
+        <p:style>
+          <a:lnRef idx="2">
+            <a:schemeClr val="dk1">
+              <a:shade val="50000"/>
+            </a:schemeClr>
+          </a:lnRef>
+          <a:fillRef idx="1">
+            <a:schemeClr val="dk1"/>
+          </a:fillRef>
+          <a:effectRef idx="0">
+            <a:schemeClr val="dk1"/>
+          </a:effectRef>
+          <a:fontRef idx="minor">
+            <a:schemeClr val="lt1"/>
+          </a:fontRef>
+        </p:style>
+        <p:txBody>
+          <a:bodyPr rtlCol="0" anchor="ctr"/>
+          <a:lstStyle/>
+          <a:p>
+            <a:pPr algn="ctr"/>
+            <a:r>
+              <a:rPr lang="ko-KR" altLang="en-US" dirty="0">
+                <a:solidFill>
+                  <a:schemeClr val="tx1"/>
+                </a:solidFill>
+              </a:rPr>
+              <a:t>리스트</a:t>
+            </a:r>
+          </a:p>
+        </p:txBody>
+      </p:sp>
+      <p:sp>
+        <p:nvSpPr>
+          <p:cNvPr id="15" name="직사각형 14">
+            <a:extLst>
+              <a:ext uri="{FF2B5EF4-FFF2-40B4-BE49-F238E27FC236}">
+                <a16:creationId xmlns:a16="http://schemas.microsoft.com/office/drawing/2014/main" id="{DF139EE6-0D44-0C20-320D-C1CFB6A15EAC}"/>
+              </a:ext>
+            </a:extLst>
+          </p:cNvPr>
+          <p:cNvSpPr/>
+          <p:nvPr/>
+        </p:nvSpPr>
+        <p:spPr>
+          <a:xfrm>
+            <a:off x="5882205" y="3282580"/>
+            <a:ext cx="1842214" cy="1471772"/>
+          </a:xfrm>
+          <a:prstGeom prst="rect">
+            <a:avLst/>
+          </a:prstGeom>
+          <a:solidFill>
+            <a:schemeClr val="bg1"/>
+          </a:solidFill>
+        </p:spPr>
+        <p:style>
+          <a:lnRef idx="2">
+            <a:schemeClr val="dk1">
+              <a:shade val="50000"/>
+            </a:schemeClr>
+          </a:lnRef>
+          <a:fillRef idx="1">
+            <a:schemeClr val="dk1"/>
+          </a:fillRef>
+          <a:effectRef idx="0">
+            <a:schemeClr val="dk1"/>
+          </a:effectRef>
+          <a:fontRef idx="minor">
+            <a:schemeClr val="lt1"/>
+          </a:fontRef>
+        </p:style>
+        <p:txBody>
+          <a:bodyPr rtlCol="0" anchor="ctr"/>
+          <a:lstStyle/>
+          <a:p>
+            <a:pPr algn="ctr"/>
+            <a:r>
+              <a:rPr lang="ko-KR" altLang="en-US" dirty="0">
+                <a:solidFill>
+                  <a:schemeClr val="tx1"/>
+                </a:solidFill>
+              </a:rPr>
+              <a:t>정보 </a:t>
+            </a:r>
+          </a:p>
+        </p:txBody>
+      </p:sp>
+      <p:sp>
+        <p:nvSpPr>
+          <p:cNvPr id="16" name="직사각형 15">
+            <a:extLst>
+              <a:ext uri="{FF2B5EF4-FFF2-40B4-BE49-F238E27FC236}">
+                <a16:creationId xmlns:a16="http://schemas.microsoft.com/office/drawing/2014/main" id="{D327F591-D4C1-31C0-0F5B-8461003126B5}"/>
+              </a:ext>
+            </a:extLst>
+          </p:cNvPr>
+          <p:cNvSpPr/>
+          <p:nvPr/>
+        </p:nvSpPr>
+        <p:spPr>
+          <a:xfrm>
+            <a:off x="4011027" y="2155708"/>
+            <a:ext cx="2683387" cy="453857"/>
+          </a:xfrm>
+          <a:prstGeom prst="rect">
+            <a:avLst/>
+          </a:prstGeom>
+          <a:solidFill>
+            <a:schemeClr val="bg1"/>
+          </a:solidFill>
+        </p:spPr>
+        <p:style>
+          <a:lnRef idx="2">
+            <a:schemeClr val="dk1">
+              <a:shade val="50000"/>
+            </a:schemeClr>
+          </a:lnRef>
+          <a:fillRef idx="1">
+            <a:schemeClr val="dk1"/>
+          </a:fillRef>
+          <a:effectRef idx="0">
+            <a:schemeClr val="dk1"/>
+          </a:effectRef>
+          <a:fontRef idx="minor">
+            <a:schemeClr val="lt1"/>
+          </a:fontRef>
+        </p:style>
+        <p:txBody>
+          <a:bodyPr rtlCol="0" anchor="ctr"/>
+          <a:lstStyle/>
+          <a:p>
+            <a:pPr algn="ctr"/>
+            <a:r>
+              <a:rPr lang="ko-KR" altLang="en-US" dirty="0">
+                <a:solidFill>
+                  <a:schemeClr val="tx1"/>
+                </a:solidFill>
+              </a:rPr>
+              <a:t>로고</a:t>
+            </a:r>
+          </a:p>
+        </p:txBody>
+      </p:sp>
+      <p:pic>
+        <p:nvPicPr>
+          <p:cNvPr id="18" name="그림 17">
+            <a:extLst>
+              <a:ext uri="{FF2B5EF4-FFF2-40B4-BE49-F238E27FC236}">
+                <a16:creationId xmlns:a16="http://schemas.microsoft.com/office/drawing/2014/main" id="{5ECF1DCE-736E-FFE0-6ABC-FD5760C698EE}"/>
+              </a:ext>
+            </a:extLst>
+          </p:cNvPr>
+          <p:cNvPicPr>
+            <a:picLocks noChangeAspect="1"/>
+          </p:cNvPicPr>
+          <p:nvPr/>
+        </p:nvPicPr>
+        <p:blipFill>
+          <a:blip r:embed="rId3"/>
+          <a:stretch>
+            <a:fillRect/>
+          </a:stretch>
+        </p:blipFill>
+        <p:spPr>
+          <a:xfrm>
+            <a:off x="7140017" y="2136189"/>
+            <a:ext cx="517289" cy="509792"/>
+          </a:xfrm>
+          <a:prstGeom prst="rect">
+            <a:avLst/>
+          </a:prstGeom>
+        </p:spPr>
+      </p:pic>
+      <p:sp>
+        <p:nvSpPr>
+          <p:cNvPr id="19" name="직사각형 18">
+            <a:extLst>
+              <a:ext uri="{FF2B5EF4-FFF2-40B4-BE49-F238E27FC236}">
+                <a16:creationId xmlns:a16="http://schemas.microsoft.com/office/drawing/2014/main" id="{241E5810-2E48-6BC5-9814-C65D652D7260}"/>
+              </a:ext>
+            </a:extLst>
+          </p:cNvPr>
+          <p:cNvSpPr/>
+          <p:nvPr/>
+        </p:nvSpPr>
+        <p:spPr>
+          <a:xfrm>
+            <a:off x="3969376" y="4842004"/>
+            <a:ext cx="1027631" cy="482181"/>
+          </a:xfrm>
+          <a:prstGeom prst="rect">
+            <a:avLst/>
+          </a:prstGeom>
+          <a:solidFill>
+            <a:schemeClr val="bg1"/>
+          </a:solidFill>
+        </p:spPr>
+        <p:style>
+          <a:lnRef idx="2">
+            <a:schemeClr val="dk1">
+              <a:shade val="50000"/>
+            </a:schemeClr>
+          </a:lnRef>
+          <a:fillRef idx="1">
+            <a:schemeClr val="dk1"/>
+          </a:fillRef>
+          <a:effectRef idx="0">
+            <a:schemeClr val="dk1"/>
+          </a:effectRef>
+          <a:fontRef idx="minor">
+            <a:schemeClr val="lt1"/>
+          </a:fontRef>
+        </p:style>
+        <p:txBody>
+          <a:bodyPr rtlCol="0" anchor="ctr"/>
+          <a:lstStyle/>
+          <a:p>
+            <a:pPr algn="ctr"/>
+            <a:r>
+              <a:rPr lang="ko-KR" altLang="en-US" dirty="0">
+                <a:solidFill>
+                  <a:schemeClr val="tx1"/>
+                </a:solidFill>
+              </a:rPr>
+              <a:t>사진</a:t>
+            </a:r>
+          </a:p>
+        </p:txBody>
+      </p:sp>
+      <p:sp>
+        <p:nvSpPr>
+          <p:cNvPr id="20" name="직사각형 19">
+            <a:extLst>
+              <a:ext uri="{FF2B5EF4-FFF2-40B4-BE49-F238E27FC236}">
+                <a16:creationId xmlns:a16="http://schemas.microsoft.com/office/drawing/2014/main" id="{1E3A8E73-9BE4-CE65-35DE-84F5739F1CDA}"/>
+              </a:ext>
+            </a:extLst>
+          </p:cNvPr>
+          <p:cNvSpPr/>
+          <p:nvPr/>
+        </p:nvSpPr>
+        <p:spPr>
+          <a:xfrm>
+            <a:off x="5121689" y="4814140"/>
+            <a:ext cx="1842213" cy="537907"/>
+          </a:xfrm>
+          <a:prstGeom prst="rect">
+            <a:avLst/>
+          </a:prstGeom>
+          <a:solidFill>
+            <a:schemeClr val="bg1"/>
+          </a:solidFill>
+        </p:spPr>
+        <p:style>
+          <a:lnRef idx="2">
+            <a:schemeClr val="dk1">
+              <a:shade val="50000"/>
+            </a:schemeClr>
+          </a:lnRef>
+          <a:fillRef idx="1">
+            <a:schemeClr val="dk1"/>
+          </a:fillRef>
+          <a:effectRef idx="0">
+            <a:schemeClr val="dk1"/>
+          </a:effectRef>
+          <a:fontRef idx="minor">
+            <a:schemeClr val="lt1"/>
+          </a:fontRef>
+        </p:style>
+        <p:txBody>
+          <a:bodyPr rtlCol="0" anchor="ctr"/>
+          <a:lstStyle/>
+          <a:p>
+            <a:pPr algn="ctr"/>
+            <a:r>
+              <a:rPr lang="ko-KR" altLang="en-US">
+                <a:solidFill>
+                  <a:schemeClr val="tx1"/>
+                </a:solidFill>
+              </a:rPr>
+              <a:t>그래프</a:t>
+            </a:r>
+            <a:endParaRPr lang="ko-KR" altLang="en-US" dirty="0">
+              <a:solidFill>
+                <a:schemeClr val="tx1"/>
+              </a:solidFill>
+            </a:endParaRPr>
+          </a:p>
+        </p:txBody>
+      </p:sp>
+      <p:pic>
+        <p:nvPicPr>
+          <p:cNvPr id="1026" name="Picture 2" descr="지도 아이콘에 대한 이미지 검색결과">
+            <a:extLst>
+              <a:ext uri="{FF2B5EF4-FFF2-40B4-BE49-F238E27FC236}">
+                <a16:creationId xmlns:a16="http://schemas.microsoft.com/office/drawing/2014/main" id="{B5B29ED9-0DC4-0C82-3B64-7341857B6972}"/>
+              </a:ext>
+            </a:extLst>
+          </p:cNvPr>
+          <p:cNvPicPr>
+            <a:picLocks noChangeAspect="1" noChangeArrowheads="1"/>
+          </p:cNvPicPr>
+          <p:nvPr/>
+        </p:nvPicPr>
+        <p:blipFill>
+          <a:blip r:embed="rId4">
+            <a:extLst>
+              <a:ext uri="{28A0092B-C50C-407E-A947-70E740481C1C}">
+                <a14:useLocalDpi xmlns:a14="http://schemas.microsoft.com/office/drawing/2010/main" val="0"/>
+              </a:ext>
+            </a:extLst>
+          </a:blip>
+          <a:srcRect/>
+          <a:stretch>
+            <a:fillRect/>
+          </a:stretch>
+        </p:blipFill>
+        <p:spPr bwMode="auto">
+          <a:xfrm>
+            <a:off x="7136934" y="4821907"/>
+            <a:ext cx="702804" cy="537907"/>
+          </a:xfrm>
+          <a:prstGeom prst="rect">
+            <a:avLst/>
+          </a:prstGeom>
+          <a:noFill/>
+          <a:extLst>
+            <a:ext uri="{909E8E84-426E-40DD-AFC4-6F175D3DCCD1}">
+              <a14:hiddenFill xmlns:a14="http://schemas.microsoft.com/office/drawing/2010/main">
+                <a:solidFill>
+                  <a:srgbClr val="FFFFFF"/>
+                </a:solidFill>
+              </a14:hiddenFill>
+            </a:ext>
+          </a:extLst>
+        </p:spPr>
+      </p:pic>
+    </p:spTree>
+    <p:extLst>
+      <p:ext uri="{BB962C8B-B14F-4D97-AF65-F5344CB8AC3E}">
+        <p14:creationId xmlns:p14="http://schemas.microsoft.com/office/powerpoint/2010/main" val="3105511677"/>
+      </p:ext>
+    </p:extLst>
+  </p:cSld>
+  <p:clrMapOvr>
+    <a:masterClrMapping/>
+  </p:clrMapOvr>
+</p:sld>
+</file>
+
+<file path=ppt/slides/slide6.xml><?xml version="1.0" encoding="utf-8"?>
+<p:sld xmlns:a="http://schemas.openxmlformats.org/drawingml/2006/main" xmlns:r="http://schemas.openxmlformats.org/officeDocument/2006/relationships" xmlns:p="http://schemas.openxmlformats.org/presentationml/2006/main">
+  <p:cSld>
+    <p:spTree>
+      <p:nvGrpSpPr>
+        <p:cNvPr id="1" name=""/>
+        <p:cNvGrpSpPr/>
+        <p:nvPr/>
+      </p:nvGrpSpPr>
+      <p:grpSpPr>
+        <a:xfrm>
+          <a:off x="0" y="0"/>
+          <a:ext cx="0" cy="0"/>
+          <a:chOff x="0" y="0"/>
+          <a:chExt cx="0" cy="0"/>
+        </a:xfrm>
+      </p:grpSpPr>
+      <p:sp>
+        <p:nvSpPr>
+          <p:cNvPr id="5" name="제목 1">
+            <a:extLst>
+              <a:ext uri="{FF2B5EF4-FFF2-40B4-BE49-F238E27FC236}">
+                <a16:creationId xmlns:a16="http://schemas.microsoft.com/office/drawing/2014/main" id="{4E29E85C-7583-BDBA-A6DB-5A64AC18B199}"/>
+              </a:ext>
+            </a:extLst>
+          </p:cNvPr>
+          <p:cNvSpPr txBox="1">
+            <a:spLocks/>
+          </p:cNvSpPr>
+          <p:nvPr/>
+        </p:nvSpPr>
+        <p:spPr>
+          <a:xfrm>
+            <a:off x="4179229" y="1183888"/>
+            <a:ext cx="3833541" cy="415533"/>
+          </a:xfrm>
+          <a:prstGeom prst="rect">
+            <a:avLst/>
+          </a:prstGeom>
+        </p:spPr>
+        <p:txBody>
+          <a:bodyPr vert="horz" lIns="91440" tIns="45720" rIns="91440" bIns="45720" rtlCol="0" anchor="ctr">
+            <a:normAutofit fontScale="92500" lnSpcReduction="20000"/>
+          </a:bodyPr>
+          <a:lstStyle>
+            <a:lvl1pPr algn="l" defTabSz="914400" rtl="0" eaLnBrk="1" latinLnBrk="1" hangingPunct="1">
+              <a:lnSpc>
+                <a:spcPct val="90000"/>
+              </a:lnSpc>
+              <a:spcBef>
+                <a:spcPct val="0"/>
+              </a:spcBef>
+              <a:buNone/>
+              <a:defRPr sz="3200" b="0" i="0" kern="1200" cap="all">
+                <a:solidFill>
+                  <a:schemeClr val="tx1"/>
+                </a:solidFill>
+                <a:effectLst/>
+                <a:latin typeface="+mj-lt"/>
+                <a:ea typeface="+mj-ea"/>
+                <a:cs typeface="+mj-cs"/>
+              </a:defRPr>
+            </a:lvl1pPr>
+          </a:lstStyle>
+          <a:p>
+            <a:pPr algn="ctr"/>
+            <a:r>
+              <a:rPr lang="ko-KR" altLang="en-US" dirty="0">
+                <a:latin typeface="휴먼둥근헤드라인" panose="02030504000101010101" pitchFamily="18" charset="-127"/>
+                <a:ea typeface="휴먼둥근헤드라인" panose="02030504000101010101" pitchFamily="18" charset="-127"/>
+              </a:rPr>
+              <a:t>  </a:t>
+            </a:r>
+            <a:r>
+              <a:rPr lang="ko-KR" altLang="en-US" u="sng" dirty="0">
+                <a:latin typeface="휴먼둥근헤드라인" panose="02030504000101010101" pitchFamily="18" charset="-127"/>
+                <a:ea typeface="휴먼둥근헤드라인" panose="02030504000101010101" pitchFamily="18" charset="-127"/>
+              </a:rPr>
+              <a:t>개발 계획</a:t>
+            </a:r>
+          </a:p>
+        </p:txBody>
+      </p:sp>
+      <p:pic>
+        <p:nvPicPr>
+          <p:cNvPr id="6" name="Picture 2" descr="마음으로 집 아이콘 | 프리미엄 벡터">
+            <a:extLst>
+              <a:ext uri="{FF2B5EF4-FFF2-40B4-BE49-F238E27FC236}">
+                <a16:creationId xmlns:a16="http://schemas.microsoft.com/office/drawing/2014/main" id="{2BEA5F50-B2C3-C517-F0BF-6EC65DAF5DED}"/>
+              </a:ext>
+            </a:extLst>
+          </p:cNvPr>
+          <p:cNvPicPr>
+            <a:picLocks noChangeAspect="1" noChangeArrowheads="1"/>
+          </p:cNvPicPr>
+          <p:nvPr/>
+        </p:nvPicPr>
+        <p:blipFill>
+          <a:blip r:embed="rId2">
+            <a:extLst>
+              <a:ext uri="{28A0092B-C50C-407E-A947-70E740481C1C}">
+                <a14:useLocalDpi xmlns:a14="http://schemas.microsoft.com/office/drawing/2010/main" val="0"/>
+              </a:ext>
+            </a:extLst>
+          </a:blip>
+          <a:srcRect/>
+          <a:stretch>
+            <a:fillRect/>
+          </a:stretch>
+        </p:blipFill>
+        <p:spPr bwMode="auto">
+          <a:xfrm>
+            <a:off x="4483192" y="1058066"/>
+            <a:ext cx="638497" cy="638497"/>
+          </a:xfrm>
+          <a:prstGeom prst="rect">
+            <a:avLst/>
+          </a:prstGeom>
+          <a:noFill/>
+          <a:extLst>
+            <a:ext uri="{909E8E84-426E-40DD-AFC4-6F175D3DCCD1}">
+              <a14:hiddenFill xmlns:a14="http://schemas.microsoft.com/office/drawing/2010/main">
+                <a:solidFill>
+                  <a:srgbClr val="FFFFFF"/>
+                </a:solidFill>
+              </a14:hiddenFill>
+            </a:ext>
+          </a:extLst>
+        </p:spPr>
+      </p:pic>
+      <p:graphicFrame>
+        <p:nvGraphicFramePr>
+          <p:cNvPr id="3" name="표 3">
+            <a:extLst>
+              <a:ext uri="{FF2B5EF4-FFF2-40B4-BE49-F238E27FC236}">
+                <a16:creationId xmlns:a16="http://schemas.microsoft.com/office/drawing/2014/main" id="{B73AAFA6-A7E4-C47B-03EB-F5AB1090E78C}"/>
+              </a:ext>
+            </a:extLst>
+          </p:cNvPr>
+          <p:cNvGraphicFramePr>
+            <a:graphicFrameLocks noGrp="1"/>
+          </p:cNvGraphicFramePr>
+          <p:nvPr>
+            <p:extLst>
+              <p:ext uri="{D42A27DB-BD31-4B8C-83A1-F6EECF244321}">
+                <p14:modId xmlns:p14="http://schemas.microsoft.com/office/powerpoint/2010/main" val="4046313350"/>
+              </p:ext>
+            </p:extLst>
+          </p:nvPr>
+        </p:nvGraphicFramePr>
+        <p:xfrm>
+          <a:off x="1493241" y="1996192"/>
+          <a:ext cx="9420837" cy="3947160"/>
+        </p:xfrm>
+        <a:graphic>
+          <a:graphicData uri="http://schemas.openxmlformats.org/drawingml/2006/table">
+            <a:tbl>
+              <a:tblPr firstRow="1" bandRow="1">
+                <a:tableStyleId>{5C22544A-7EE6-4342-B048-85BDC9FD1C3A}</a:tableStyleId>
+              </a:tblPr>
+              <a:tblGrid>
+                <a:gridCol w="3140279">
+                  <a:extLst>
+                    <a:ext uri="{9D8B030D-6E8A-4147-A177-3AD203B41FA5}">
+                      <a16:colId xmlns:a16="http://schemas.microsoft.com/office/drawing/2014/main" val="2814529749"/>
+                    </a:ext>
+                  </a:extLst>
+                </a:gridCol>
+                <a:gridCol w="3140279">
+                  <a:extLst>
+                    <a:ext uri="{9D8B030D-6E8A-4147-A177-3AD203B41FA5}">
+                      <a16:colId xmlns:a16="http://schemas.microsoft.com/office/drawing/2014/main" val="3286147410"/>
+                    </a:ext>
+                  </a:extLst>
+                </a:gridCol>
+                <a:gridCol w="3140279">
+                  <a:extLst>
+                    <a:ext uri="{9D8B030D-6E8A-4147-A177-3AD203B41FA5}">
+                      <a16:colId xmlns:a16="http://schemas.microsoft.com/office/drawing/2014/main" val="456457533"/>
+                    </a:ext>
+                  </a:extLst>
+                </a:gridCol>
+              </a:tblGrid>
+              <a:tr h="370840">
+                <a:tc>
+                  <a:txBody>
+                    <a:bodyPr/>
+                    <a:lstStyle/>
+                    <a:p>
+                      <a:pPr algn="ctr" latinLnBrk="1"/>
+                      <a:r>
+                        <a:rPr lang="ko-KR" altLang="en-US" dirty="0">
+                          <a:solidFill>
+                            <a:schemeClr val="tx1"/>
+                          </a:solidFill>
+                        </a:rPr>
+                        <a:t>주차</a:t>
+                      </a:r>
+                    </a:p>
+                  </a:txBody>
+                  <a:tcPr/>
+                </a:tc>
+                <a:tc>
+                  <a:txBody>
+                    <a:bodyPr/>
+                    <a:lstStyle/>
+                    <a:p>
+                      <a:pPr algn="ctr" latinLnBrk="1"/>
+                      <a:r>
+                        <a:rPr lang="ko-KR" altLang="en-US" dirty="0">
+                          <a:solidFill>
+                            <a:schemeClr val="tx1"/>
+                          </a:solidFill>
+                        </a:rPr>
+                        <a:t>내용</a:t>
+                      </a:r>
+                    </a:p>
+                  </a:txBody>
+                  <a:tcPr/>
+                </a:tc>
+                <a:tc>
+                  <a:txBody>
+                    <a:bodyPr/>
+                    <a:lstStyle/>
+                    <a:p>
+                      <a:pPr algn="ctr" latinLnBrk="1"/>
+                      <a:r>
+                        <a:rPr lang="ko-KR" altLang="en-US" dirty="0">
+                          <a:solidFill>
+                            <a:schemeClr val="tx1"/>
+                          </a:solidFill>
+                        </a:rPr>
+                        <a:t>세부계획</a:t>
+                      </a:r>
+                    </a:p>
+                  </a:txBody>
+                  <a:tcPr/>
+                </a:tc>
+                <a:extLst>
+                  <a:ext uri="{0D108BD9-81ED-4DB2-BD59-A6C34878D82A}">
+                    <a16:rowId xmlns:a16="http://schemas.microsoft.com/office/drawing/2014/main" val="159998443"/>
+                  </a:ext>
+                </a:extLst>
+              </a:tr>
+              <a:tr h="370840">
+                <a:tc>
+                  <a:txBody>
+                    <a:bodyPr/>
+                    <a:lstStyle/>
+                    <a:p>
+                      <a:pPr algn="ctr" latinLnBrk="1"/>
+                      <a:r>
+                        <a:rPr lang="en-US" altLang="ko-KR" dirty="0">
+                          <a:solidFill>
+                            <a:schemeClr val="tx1"/>
+                          </a:solidFill>
+                        </a:rPr>
+                        <a:t>1</a:t>
+                      </a:r>
+                      <a:r>
+                        <a:rPr lang="ko-KR" altLang="en-US" dirty="0">
+                          <a:solidFill>
+                            <a:schemeClr val="tx1"/>
+                          </a:solidFill>
+                        </a:rPr>
+                        <a:t>주차</a:t>
+                      </a:r>
+                    </a:p>
+                  </a:txBody>
+                  <a:tcPr/>
+                </a:tc>
+                <a:tc>
+                  <a:txBody>
+                    <a:bodyPr/>
+                    <a:lstStyle/>
+                    <a:p>
+                      <a:pPr algn="ctr" latinLnBrk="1"/>
+                      <a:r>
+                        <a:rPr lang="ko-KR" altLang="en-US" dirty="0">
+                          <a:solidFill>
+                            <a:schemeClr val="tx1"/>
+                          </a:solidFill>
+                        </a:rPr>
+                        <a:t>주제 선정</a:t>
+                      </a:r>
+                      <a:endParaRPr lang="en-US" altLang="ko-KR" dirty="0">
+                        <a:solidFill>
+                          <a:schemeClr val="tx1"/>
+                        </a:solidFill>
+                      </a:endParaRPr>
+                    </a:p>
+                    <a:p>
+                      <a:pPr algn="ctr" latinLnBrk="1"/>
+                      <a:r>
+                        <a:rPr lang="ko-KR" altLang="en-US" dirty="0">
+                          <a:solidFill>
+                            <a:schemeClr val="tx1"/>
+                          </a:solidFill>
+                        </a:rPr>
+                        <a:t>프로젝트 준비</a:t>
+                      </a:r>
+                    </a:p>
+                  </a:txBody>
+                  <a:tcPr/>
+                </a:tc>
+                <a:tc>
+                  <a:txBody>
+                    <a:bodyPr/>
+                    <a:lstStyle/>
+                    <a:p>
+                      <a:pPr algn="ctr" latinLnBrk="1"/>
+                      <a:endParaRPr lang="ko-KR" altLang="en-US">
+                        <a:solidFill>
+                          <a:schemeClr val="tx1"/>
+                        </a:solidFill>
+                      </a:endParaRPr>
+                    </a:p>
+                  </a:txBody>
+                  <a:tcPr/>
+                </a:tc>
+                <a:extLst>
+                  <a:ext uri="{0D108BD9-81ED-4DB2-BD59-A6C34878D82A}">
+                    <a16:rowId xmlns:a16="http://schemas.microsoft.com/office/drawing/2014/main" val="795741806"/>
+                  </a:ext>
+                </a:extLst>
+              </a:tr>
+              <a:tr h="370840">
+                <a:tc>
+                  <a:txBody>
+                    <a:bodyPr/>
+                    <a:lstStyle/>
+                    <a:p>
+                      <a:pPr algn="ctr" latinLnBrk="1"/>
+                      <a:r>
+                        <a:rPr lang="en-US" altLang="ko-KR" dirty="0">
+                          <a:solidFill>
+                            <a:schemeClr val="tx1"/>
+                          </a:solidFill>
+                        </a:rPr>
+                        <a:t>2</a:t>
+                      </a:r>
+                      <a:r>
+                        <a:rPr lang="ko-KR" altLang="en-US" dirty="0">
+                          <a:solidFill>
+                            <a:schemeClr val="tx1"/>
+                          </a:solidFill>
+                        </a:rPr>
+                        <a:t>주차</a:t>
+                      </a:r>
+                    </a:p>
+                  </a:txBody>
+                  <a:tcPr/>
+                </a:tc>
+                <a:tc>
+                  <a:txBody>
+                    <a:bodyPr/>
+                    <a:lstStyle/>
+                    <a:p>
+                      <a:pPr algn="ctr" latinLnBrk="1"/>
+                      <a:r>
+                        <a:rPr lang="ko-KR" altLang="en-US" dirty="0">
+                          <a:solidFill>
+                            <a:schemeClr val="tx1"/>
+                          </a:solidFill>
+                        </a:rPr>
+                        <a:t>기획 발표</a:t>
+                      </a:r>
+                      <a:endParaRPr lang="en-US" altLang="ko-KR" dirty="0">
+                        <a:solidFill>
+                          <a:schemeClr val="tx1"/>
+                        </a:solidFill>
+                      </a:endParaRPr>
+                    </a:p>
+                    <a:p>
+                      <a:pPr algn="ctr" latinLnBrk="1"/>
+                      <a:r>
+                        <a:rPr lang="ko-KR" altLang="en-US" dirty="0">
+                          <a:solidFill>
+                            <a:schemeClr val="tx1"/>
+                          </a:solidFill>
+                        </a:rPr>
+                        <a:t>리소스</a:t>
+                      </a:r>
+                      <a:endParaRPr lang="en-US" altLang="ko-KR" dirty="0">
+                        <a:solidFill>
+                          <a:schemeClr val="tx1"/>
+                        </a:solidFill>
+                      </a:endParaRPr>
+                    </a:p>
+                    <a:p>
+                      <a:pPr algn="ctr" latinLnBrk="1"/>
+                      <a:r>
+                        <a:rPr lang="en-US" altLang="ko-KR" dirty="0">
+                          <a:solidFill>
+                            <a:schemeClr val="tx1"/>
+                          </a:solidFill>
+                        </a:rPr>
+                        <a:t>UI</a:t>
+                      </a:r>
+                      <a:r>
+                        <a:rPr lang="ko-KR" altLang="en-US" dirty="0">
+                          <a:solidFill>
+                            <a:schemeClr val="tx1"/>
+                          </a:solidFill>
+                        </a:rPr>
+                        <a:t>설계</a:t>
+                      </a:r>
+                      <a:endParaRPr lang="en-US" altLang="ko-KR" dirty="0">
+                        <a:solidFill>
+                          <a:schemeClr val="tx1"/>
+                        </a:solidFill>
+                      </a:endParaRPr>
+                    </a:p>
+                  </a:txBody>
+                  <a:tcPr/>
+                </a:tc>
+                <a:tc>
+                  <a:txBody>
+                    <a:bodyPr/>
+                    <a:lstStyle/>
+                    <a:p>
+                      <a:pPr algn="ctr" latinLnBrk="1"/>
+                      <a:endParaRPr lang="ko-KR" altLang="en-US">
+                        <a:solidFill>
+                          <a:schemeClr val="tx1"/>
+                        </a:solidFill>
+                      </a:endParaRPr>
+                    </a:p>
+                  </a:txBody>
+                  <a:tcPr/>
+                </a:tc>
+                <a:extLst>
+                  <a:ext uri="{0D108BD9-81ED-4DB2-BD59-A6C34878D82A}">
+                    <a16:rowId xmlns:a16="http://schemas.microsoft.com/office/drawing/2014/main" val="3950545030"/>
+                  </a:ext>
+                </a:extLst>
+              </a:tr>
+              <a:tr h="370840">
+                <a:tc>
+                  <a:txBody>
+                    <a:bodyPr/>
+                    <a:lstStyle/>
+                    <a:p>
+                      <a:pPr algn="ctr" latinLnBrk="1"/>
+                      <a:r>
+                        <a:rPr lang="en-US" altLang="ko-KR" dirty="0">
+                          <a:solidFill>
+                            <a:schemeClr val="tx1"/>
+                          </a:solidFill>
+                        </a:rPr>
+                        <a:t>3</a:t>
+                      </a:r>
+                      <a:r>
+                        <a:rPr lang="ko-KR" altLang="en-US" dirty="0">
+                          <a:solidFill>
+                            <a:schemeClr val="tx1"/>
+                          </a:solidFill>
+                        </a:rPr>
+                        <a:t>주차</a:t>
+                      </a:r>
+                    </a:p>
+                  </a:txBody>
+                  <a:tcPr/>
+                </a:tc>
+                <a:tc>
+                  <a:txBody>
+                    <a:bodyPr/>
+                    <a:lstStyle/>
+                    <a:p>
+                      <a:pPr algn="ctr" latinLnBrk="1"/>
+                      <a:r>
+                        <a:rPr lang="en-US" altLang="ko-KR" dirty="0">
+                          <a:solidFill>
+                            <a:schemeClr val="tx1"/>
+                          </a:solidFill>
+                        </a:rPr>
+                        <a:t>Open API</a:t>
+                      </a:r>
+                      <a:r>
+                        <a:rPr lang="ko-KR" altLang="en-US" dirty="0">
+                          <a:solidFill>
+                            <a:schemeClr val="tx1"/>
+                          </a:solidFill>
+                        </a:rPr>
+                        <a:t>연동</a:t>
+                      </a:r>
+                      <a:endParaRPr lang="en-US" altLang="ko-KR" dirty="0">
+                        <a:solidFill>
+                          <a:schemeClr val="tx1"/>
+                        </a:solidFill>
+                      </a:endParaRPr>
+                    </a:p>
+                    <a:p>
+                      <a:pPr algn="ctr" latinLnBrk="1"/>
+                      <a:r>
+                        <a:rPr lang="ko-KR" altLang="en-US" dirty="0">
+                          <a:solidFill>
+                            <a:schemeClr val="tx1"/>
+                          </a:solidFill>
+                        </a:rPr>
+                        <a:t>연동 데이터 출력</a:t>
+                      </a:r>
+                    </a:p>
+                  </a:txBody>
+                  <a:tcPr/>
+                </a:tc>
+                <a:tc>
+                  <a:txBody>
+                    <a:bodyPr/>
+                    <a:lstStyle/>
+                    <a:p>
+                      <a:pPr algn="ctr" latinLnBrk="1"/>
+                      <a:endParaRPr lang="ko-KR" altLang="en-US">
+                        <a:solidFill>
+                          <a:schemeClr val="tx1"/>
+                        </a:solidFill>
+                      </a:endParaRPr>
+                    </a:p>
+                  </a:txBody>
+                  <a:tcPr/>
+                </a:tc>
+                <a:extLst>
+                  <a:ext uri="{0D108BD9-81ED-4DB2-BD59-A6C34878D82A}">
+                    <a16:rowId xmlns:a16="http://schemas.microsoft.com/office/drawing/2014/main" val="3771722480"/>
+                  </a:ext>
+                </a:extLst>
+              </a:tr>
+              <a:tr h="370840">
+                <a:tc>
+                  <a:txBody>
+                    <a:bodyPr/>
+                    <a:lstStyle/>
+                    <a:p>
+                      <a:pPr algn="ctr" latinLnBrk="1"/>
+                      <a:r>
+                        <a:rPr lang="en-US" altLang="ko-KR" dirty="0">
+                          <a:solidFill>
+                            <a:schemeClr val="tx1"/>
+                          </a:solidFill>
+                        </a:rPr>
+                        <a:t>4</a:t>
+                      </a:r>
+                      <a:r>
+                        <a:rPr lang="ko-KR" altLang="en-US" dirty="0">
+                          <a:solidFill>
+                            <a:schemeClr val="tx1"/>
+                          </a:solidFill>
+                        </a:rPr>
+                        <a:t>주차</a:t>
+                      </a:r>
+                    </a:p>
+                  </a:txBody>
+                  <a:tcPr/>
+                </a:tc>
+                <a:tc>
+                  <a:txBody>
+                    <a:bodyPr/>
+                    <a:lstStyle/>
+                    <a:p>
+                      <a:pPr algn="ctr" latinLnBrk="1"/>
+                      <a:r>
+                        <a:rPr lang="ko-KR" altLang="en-US" dirty="0">
+                          <a:solidFill>
+                            <a:schemeClr val="tx1"/>
+                          </a:solidFill>
+                        </a:rPr>
+                        <a:t>중간 발표</a:t>
+                      </a:r>
+                      <a:endParaRPr lang="en-US" altLang="ko-KR" dirty="0">
+                        <a:solidFill>
+                          <a:schemeClr val="tx1"/>
+                        </a:solidFill>
+                      </a:endParaRPr>
+                    </a:p>
+                    <a:p>
+                      <a:pPr algn="ctr" latinLnBrk="1"/>
+                      <a:r>
+                        <a:rPr lang="ko-KR" altLang="en-US" dirty="0">
+                          <a:solidFill>
+                            <a:schemeClr val="tx1"/>
+                          </a:solidFill>
+                        </a:rPr>
+                        <a:t>지도 연동</a:t>
+                      </a:r>
+                    </a:p>
+                  </a:txBody>
+                  <a:tcPr/>
+                </a:tc>
+                <a:tc>
+                  <a:txBody>
+                    <a:bodyPr/>
+                    <a:lstStyle/>
+                    <a:p>
+                      <a:pPr algn="ctr" latinLnBrk="1"/>
+                      <a:endParaRPr lang="ko-KR" altLang="en-US">
+                        <a:solidFill>
+                          <a:schemeClr val="tx1"/>
+                        </a:solidFill>
+                      </a:endParaRPr>
+                    </a:p>
+                  </a:txBody>
+                  <a:tcPr/>
+                </a:tc>
+                <a:extLst>
+                  <a:ext uri="{0D108BD9-81ED-4DB2-BD59-A6C34878D82A}">
+                    <a16:rowId xmlns:a16="http://schemas.microsoft.com/office/drawing/2014/main" val="2313238175"/>
+                  </a:ext>
+                </a:extLst>
+              </a:tr>
+              <a:tr h="370840">
+                <a:tc>
+                  <a:txBody>
+                    <a:bodyPr/>
+                    <a:lstStyle/>
+                    <a:p>
+                      <a:pPr algn="ctr" latinLnBrk="1"/>
+                      <a:r>
+                        <a:rPr lang="en-US" altLang="ko-KR" dirty="0">
+                          <a:solidFill>
+                            <a:schemeClr val="tx1"/>
+                          </a:solidFill>
+                        </a:rPr>
+                        <a:t>5</a:t>
+                      </a:r>
+                      <a:r>
+                        <a:rPr lang="ko-KR" altLang="en-US" dirty="0">
+                          <a:solidFill>
+                            <a:schemeClr val="tx1"/>
+                          </a:solidFill>
+                        </a:rPr>
+                        <a:t>주차</a:t>
+                      </a:r>
+                    </a:p>
+                  </a:txBody>
+                  <a:tcPr/>
+                </a:tc>
+                <a:tc>
+                  <a:txBody>
+                    <a:bodyPr/>
+                    <a:lstStyle/>
+                    <a:p>
+                      <a:pPr algn="ctr" latinLnBrk="1"/>
+                      <a:endParaRPr lang="ko-KR" altLang="en-US">
+                        <a:solidFill>
+                          <a:schemeClr val="tx1"/>
+                        </a:solidFill>
+                      </a:endParaRPr>
+                    </a:p>
+                  </a:txBody>
+                  <a:tcPr/>
+                </a:tc>
+                <a:tc>
+                  <a:txBody>
+                    <a:bodyPr/>
+                    <a:lstStyle/>
+                    <a:p>
+                      <a:pPr algn="ctr" latinLnBrk="1"/>
+                      <a:endParaRPr lang="ko-KR" altLang="en-US">
+                        <a:solidFill>
+                          <a:schemeClr val="tx1"/>
+                        </a:solidFill>
+                      </a:endParaRPr>
+                    </a:p>
+                  </a:txBody>
+                  <a:tcPr/>
+                </a:tc>
+                <a:extLst>
+                  <a:ext uri="{0D108BD9-81ED-4DB2-BD59-A6C34878D82A}">
+                    <a16:rowId xmlns:a16="http://schemas.microsoft.com/office/drawing/2014/main" val="3243919355"/>
+                  </a:ext>
+                </a:extLst>
+              </a:tr>
+              <a:tr h="370840">
+                <a:tc>
+                  <a:txBody>
+                    <a:bodyPr/>
+                    <a:lstStyle/>
+                    <a:p>
+                      <a:pPr algn="ctr" latinLnBrk="1"/>
+                      <a:r>
+                        <a:rPr lang="en-US" altLang="ko-KR" dirty="0">
+                          <a:solidFill>
+                            <a:schemeClr val="tx1"/>
+                          </a:solidFill>
+                        </a:rPr>
+                        <a:t>6</a:t>
+                      </a:r>
+                      <a:r>
+                        <a:rPr lang="ko-KR" altLang="en-US" dirty="0">
+                          <a:solidFill>
+                            <a:schemeClr val="tx1"/>
+                          </a:solidFill>
+                        </a:rPr>
+                        <a:t>주차</a:t>
+                      </a:r>
+                    </a:p>
+                  </a:txBody>
+                  <a:tcPr/>
+                </a:tc>
+                <a:tc>
+                  <a:txBody>
+                    <a:bodyPr/>
+                    <a:lstStyle/>
+                    <a:p>
+                      <a:pPr algn="ctr" latinLnBrk="1"/>
+                      <a:endParaRPr lang="ko-KR" altLang="en-US">
+                        <a:solidFill>
+                          <a:schemeClr val="tx1"/>
+                        </a:solidFill>
+                      </a:endParaRPr>
+                    </a:p>
+                  </a:txBody>
+                  <a:tcPr/>
+                </a:tc>
+                <a:tc>
+                  <a:txBody>
+                    <a:bodyPr/>
+                    <a:lstStyle/>
+                    <a:p>
+                      <a:pPr algn="ctr" latinLnBrk="1"/>
+                      <a:endParaRPr lang="ko-KR" altLang="en-US" dirty="0">
+                        <a:solidFill>
+                          <a:schemeClr val="tx1"/>
+                        </a:solidFill>
+                      </a:endParaRPr>
+                    </a:p>
+                  </a:txBody>
+                  <a:tcPr/>
+                </a:tc>
+                <a:extLst>
+                  <a:ext uri="{0D108BD9-81ED-4DB2-BD59-A6C34878D82A}">
+                    <a16:rowId xmlns:a16="http://schemas.microsoft.com/office/drawing/2014/main" val="2594912598"/>
+                  </a:ext>
+                </a:extLst>
+              </a:tr>
+            </a:tbl>
+          </a:graphicData>
+        </a:graphic>
+      </p:graphicFrame>
+    </p:spTree>
+    <p:extLst>
+      <p:ext uri="{BB962C8B-B14F-4D97-AF65-F5344CB8AC3E}">
+        <p14:creationId xmlns:p14="http://schemas.microsoft.com/office/powerpoint/2010/main" val="1026048039"/>
       </p:ext>
     </p:extLst>
   </p:cSld>

--- a/프로젝트 발표자료/스크립트 언어 기획 발표.pptx
+++ b/프로젝트 발표자료/스크립트 언어 기획 발표.pptx
@@ -256,7 +256,7 @@
           <a:p>
             <a:fld id="{4C7A1CB5-C0F4-4388-8B9B-96CCC9924603}" type="datetimeFigureOut">
               <a:rPr lang="ko-KR" altLang="en-US" smtClean="0"/>
-              <a:t>2022-05-15</a:t>
+              <a:t>2022-05-16</a:t>
             </a:fld>
             <a:endParaRPr lang="ko-KR" altLang="en-US"/>
           </a:p>
@@ -467,7 +467,7 @@
           <a:p>
             <a:fld id="{4C7A1CB5-C0F4-4388-8B9B-96CCC9924603}" type="datetimeFigureOut">
               <a:rPr lang="ko-KR" altLang="en-US" smtClean="0"/>
-              <a:t>2022-05-15</a:t>
+              <a:t>2022-05-16</a:t>
             </a:fld>
             <a:endParaRPr lang="ko-KR" altLang="en-US"/>
           </a:p>
@@ -682,7 +682,7 @@
           <a:p>
             <a:fld id="{4C7A1CB5-C0F4-4388-8B9B-96CCC9924603}" type="datetimeFigureOut">
               <a:rPr lang="ko-KR" altLang="en-US" smtClean="0"/>
-              <a:t>2022-05-15</a:t>
+              <a:t>2022-05-16</a:t>
             </a:fld>
             <a:endParaRPr lang="ko-KR" altLang="en-US"/>
           </a:p>
@@ -883,7 +883,7 @@
           <a:p>
             <a:fld id="{4C7A1CB5-C0F4-4388-8B9B-96CCC9924603}" type="datetimeFigureOut">
               <a:rPr lang="ko-KR" altLang="en-US" smtClean="0"/>
-              <a:t>2022-05-15</a:t>
+              <a:t>2022-05-16</a:t>
             </a:fld>
             <a:endParaRPr lang="ko-KR" altLang="en-US"/>
           </a:p>
@@ -1162,7 +1162,7 @@
           <a:p>
             <a:fld id="{4C7A1CB5-C0F4-4388-8B9B-96CCC9924603}" type="datetimeFigureOut">
               <a:rPr lang="ko-KR" altLang="en-US" smtClean="0"/>
-              <a:t>2022-05-15</a:t>
+              <a:t>2022-05-16</a:t>
             </a:fld>
             <a:endParaRPr lang="ko-KR" altLang="en-US"/>
           </a:p>
@@ -1430,7 +1430,7 @@
           <a:p>
             <a:fld id="{4C7A1CB5-C0F4-4388-8B9B-96CCC9924603}" type="datetimeFigureOut">
               <a:rPr lang="ko-KR" altLang="en-US" smtClean="0"/>
-              <a:t>2022-05-15</a:t>
+              <a:t>2022-05-16</a:t>
             </a:fld>
             <a:endParaRPr lang="ko-KR" altLang="en-US"/>
           </a:p>
@@ -1846,7 +1846,7 @@
           <a:p>
             <a:fld id="{4C7A1CB5-C0F4-4388-8B9B-96CCC9924603}" type="datetimeFigureOut">
               <a:rPr lang="ko-KR" altLang="en-US" smtClean="0"/>
-              <a:t>2022-05-15</a:t>
+              <a:t>2022-05-16</a:t>
             </a:fld>
             <a:endParaRPr lang="ko-KR" altLang="en-US"/>
           </a:p>
@@ -1995,7 +1995,7 @@
           <a:p>
             <a:fld id="{4C7A1CB5-C0F4-4388-8B9B-96CCC9924603}" type="datetimeFigureOut">
               <a:rPr lang="ko-KR" altLang="en-US" smtClean="0"/>
-              <a:t>2022-05-15</a:t>
+              <a:t>2022-05-16</a:t>
             </a:fld>
             <a:endParaRPr lang="ko-KR" altLang="en-US"/>
           </a:p>
@@ -2121,7 +2121,7 @@
           <a:p>
             <a:fld id="{4C7A1CB5-C0F4-4388-8B9B-96CCC9924603}" type="datetimeFigureOut">
               <a:rPr lang="ko-KR" altLang="en-US" smtClean="0"/>
-              <a:t>2022-05-15</a:t>
+              <a:t>2022-05-16</a:t>
             </a:fld>
             <a:endParaRPr lang="ko-KR" altLang="en-US"/>
           </a:p>
@@ -2372,7 +2372,7 @@
           <a:p>
             <a:fld id="{4C7A1CB5-C0F4-4388-8B9B-96CCC9924603}" type="datetimeFigureOut">
               <a:rPr lang="ko-KR" altLang="en-US" smtClean="0"/>
-              <a:t>2022-05-15</a:t>
+              <a:t>2022-05-16</a:t>
             </a:fld>
             <a:endParaRPr lang="ko-KR" altLang="en-US"/>
           </a:p>
@@ -2817,7 +2817,7 @@
           <a:p>
             <a:fld id="{4C7A1CB5-C0F4-4388-8B9B-96CCC9924603}" type="datetimeFigureOut">
               <a:rPr lang="ko-KR" altLang="en-US" smtClean="0"/>
-              <a:t>2022-05-15</a:t>
+              <a:t>2022-05-16</a:t>
             </a:fld>
             <a:endParaRPr lang="ko-KR" altLang="en-US"/>
           </a:p>
@@ -3144,7 +3144,7 @@
           <a:p>
             <a:fld id="{4C7A1CB5-C0F4-4388-8B9B-96CCC9924603}" type="datetimeFigureOut">
               <a:rPr lang="ko-KR" altLang="en-US" smtClean="0"/>
-              <a:t>2022-05-15</a:t>
+              <a:t>2022-05-16</a:t>
             </a:fld>
             <a:endParaRPr lang="ko-KR" altLang="en-US"/>
           </a:p>
@@ -5087,7 +5087,7 @@
           <a:lstStyle/>
           <a:p>
             <a:pPr algn="ctr"/>
-            <a:endParaRPr lang="ko-KR" altLang="en-US"/>
+            <a:endParaRPr lang="ko-KR" altLang="en-US" dirty="0"/>
           </a:p>
         </p:txBody>
       </p:sp>
@@ -5142,21 +5142,8 @@
                   <a:schemeClr val="tx1"/>
                 </a:solidFill>
               </a:rPr>
-              <a:t>지역 </a:t>
-            </a:r>
-            <a:r>
-              <a:rPr lang="ko-KR" altLang="en-US" dirty="0" err="1">
-                <a:solidFill>
-                  <a:schemeClr val="tx1"/>
-                </a:solidFill>
-              </a:rPr>
-              <a:t>서택</a:t>
-            </a:r>
-            <a:endParaRPr lang="ko-KR" altLang="en-US" dirty="0">
-              <a:solidFill>
-                <a:schemeClr val="tx1"/>
-              </a:solidFill>
-            </a:endParaRPr>
+              <a:t>지역 선택</a:t>
+            </a:r>
           </a:p>
         </p:txBody>
       </p:sp>
@@ -5736,14 +5723,14 @@
           <p:nvPr>
             <p:extLst>
               <p:ext uri="{D42A27DB-BD31-4B8C-83A1-F6EECF244321}">
-                <p14:modId xmlns:p14="http://schemas.microsoft.com/office/powerpoint/2010/main" val="4046313350"/>
+                <p14:modId xmlns:p14="http://schemas.microsoft.com/office/powerpoint/2010/main" val="1841505982"/>
               </p:ext>
             </p:extLst>
           </p:nvPr>
         </p:nvGraphicFramePr>
         <p:xfrm>
           <a:off x="1493241" y="1996192"/>
-          <a:ext cx="9420837" cy="3947160"/>
+          <a:ext cx="9420837" cy="3677920"/>
         </p:xfrm>
         <a:graphic>
           <a:graphicData uri="http://schemas.openxmlformats.org/drawingml/2006/table">
@@ -5902,7 +5889,15 @@
                     <a:lstStyle/>
                     <a:p>
                       <a:pPr algn="ctr" latinLnBrk="1"/>
-                      <a:endParaRPr lang="ko-KR" altLang="en-US">
+                      <a:r>
+                        <a:rPr lang="ko-KR" altLang="en-US" dirty="0">
+                          <a:solidFill>
+                            <a:schemeClr val="tx1"/>
+                          </a:solidFill>
+                        </a:rPr>
+                        <a:t>회의</a:t>
+                      </a:r>
+                      <a:endParaRPr lang="en-US" altLang="ko-KR" dirty="0">
                         <a:solidFill>
                           <a:schemeClr val="tx1"/>
                         </a:solidFill>
@@ -6013,11 +6008,78 @@
                     <a:lstStyle/>
                     <a:p>
                       <a:pPr algn="ctr" latinLnBrk="1"/>
-                      <a:endParaRPr lang="ko-KR" altLang="en-US">
+                      <a:r>
+                        <a:rPr lang="ko-KR" altLang="en-US" dirty="0">
+                          <a:solidFill>
+                            <a:schemeClr val="tx1"/>
+                          </a:solidFill>
+                        </a:rPr>
+                        <a:t>기획 제작</a:t>
+                      </a:r>
+                      <a:endParaRPr lang="en-US" altLang="ko-KR" dirty="0">
                         <a:solidFill>
                           <a:schemeClr val="tx1"/>
                         </a:solidFill>
                       </a:endParaRPr>
+                    </a:p>
+                    <a:p>
+                      <a:pPr algn="ctr" latinLnBrk="1"/>
+                      <a:r>
+                        <a:rPr lang="ko-KR" altLang="en-US" dirty="0">
+                          <a:solidFill>
+                            <a:schemeClr val="tx1"/>
+                          </a:solidFill>
+                        </a:rPr>
+                        <a:t>리소스 탐색</a:t>
+                      </a:r>
+                      <a:endParaRPr lang="en-US" altLang="ko-KR" dirty="0">
+                        <a:solidFill>
+                          <a:schemeClr val="tx1"/>
+                        </a:solidFill>
+                      </a:endParaRPr>
+                    </a:p>
+                    <a:p>
+                      <a:pPr marL="0" marR="0" lvl="0" indent="0" algn="ctr" defTabSz="914400" rtl="0" eaLnBrk="1" fontAlgn="auto" latinLnBrk="1" hangingPunct="1">
+                        <a:lnSpc>
+                          <a:spcPct val="100000"/>
+                        </a:lnSpc>
+                        <a:spcBef>
+                          <a:spcPts val="0"/>
+                        </a:spcBef>
+                        <a:spcAft>
+                          <a:spcPts val="0"/>
+                        </a:spcAft>
+                        <a:buClrTx/>
+                        <a:buSzTx/>
+                        <a:buFontTx/>
+                        <a:buNone/>
+                        <a:tabLst/>
+                        <a:defRPr/>
+                      </a:pPr>
+                      <a:r>
+                        <a:rPr lang="ko-KR" altLang="en-US" dirty="0">
+                          <a:solidFill>
+                            <a:schemeClr val="tx1"/>
+                          </a:solidFill>
+                        </a:rPr>
+                        <a:t>기본 프레임 워크</a:t>
+                      </a:r>
+                      <a:r>
+                        <a:rPr lang="en-US" altLang="ko-KR" dirty="0">
+                          <a:solidFill>
+                            <a:schemeClr val="tx1"/>
+                          </a:solidFill>
+                        </a:rPr>
+                        <a:t> </a:t>
+                      </a:r>
+                      <a:r>
+                        <a:rPr lang="ko-KR" altLang="en-US" dirty="0">
+                          <a:solidFill>
+                            <a:schemeClr val="tx1"/>
+                          </a:solidFill>
+                        </a:rPr>
+                        <a:t>제작</a:t>
+                      </a:r>
                     </a:p>
                   </a:txBody>
                   <a:tcPr/>
@@ -6103,11 +6165,38 @@
                     <a:lstStyle/>
                     <a:p>
                       <a:pPr algn="ctr" latinLnBrk="1"/>
-                      <a:endParaRPr lang="ko-KR" altLang="en-US">
+                      <a:r>
+                        <a:rPr lang="ko-KR" altLang="en-US" dirty="0">
+                          <a:solidFill>
+                            <a:schemeClr val="tx1"/>
+                          </a:solidFill>
+                        </a:rPr>
+                        <a:t>리소스 다운</a:t>
+                      </a:r>
+                      <a:endParaRPr lang="en-US" altLang="ko-KR" dirty="0">
                         <a:solidFill>
                           <a:schemeClr val="tx1"/>
                         </a:solidFill>
                       </a:endParaRPr>
+                    </a:p>
+                    <a:p>
+                      <a:pPr algn="ctr" latinLnBrk="1"/>
+                      <a:r>
+                        <a:rPr lang="en-US" altLang="ko-KR" dirty="0" err="1">
+                          <a:solidFill>
+                            <a:schemeClr val="tx1"/>
+                          </a:solidFill>
+                        </a:rPr>
+                        <a:t>Api</a:t>
+                      </a:r>
+                      <a:r>
+                        <a:rPr lang="ko-KR" altLang="en-US" dirty="0">
+                          <a:solidFill>
+                            <a:schemeClr val="tx1"/>
+                          </a:solidFill>
+                        </a:rPr>
+                        <a:t>연동</a:t>
+                      </a:r>
                     </a:p>
                   </a:txBody>
                   <a:tcPr/>
@@ -6157,22 +6246,6 @@
                             <a:schemeClr val="tx1"/>
                           </a:solidFill>
                         </a:rPr>
-                        <a:t>중간 발표</a:t>
-                      </a:r>
-                      <a:endParaRPr lang="en-US" altLang="ko-KR" dirty="0">
-                        <a:solidFill>
-                          <a:schemeClr val="tx1"/>
-                        </a:solidFill>
-                      </a:endParaRPr>
-                    </a:p>
-                    <a:p>
-                      <a:pPr algn="ctr" latinLnBrk="1"/>
-                      <a:r>
-                        <a:rPr lang="ko-KR" altLang="en-US" dirty="0">
-                          <a:solidFill>
-                            <a:schemeClr val="tx1"/>
-                          </a:solidFill>
-                        </a:rPr>
                         <a:t>지도 연동</a:t>
                       </a:r>
                     </a:p>
@@ -6185,11 +6258,14 @@
                     <a:lstStyle/>
                     <a:p>
                       <a:pPr algn="ctr" latinLnBrk="1"/>
-                      <a:endParaRPr lang="ko-KR" altLang="en-US">
-                        <a:solidFill>
-                          <a:schemeClr val="tx1"/>
-                        </a:solidFill>
-                      </a:endParaRPr>
+                      <a:r>
+                        <a:rPr lang="ko-KR" altLang="en-US" dirty="0">
+                          <a:solidFill>
+                            <a:schemeClr val="tx1"/>
+                          </a:solidFill>
+                        </a:rPr>
+                        <a:t>지도 연동 및 제작</a:t>
+                      </a:r>
                     </a:p>
                   </a:txBody>
                   <a:tcPr/>
@@ -6233,11 +6309,14 @@
                     <a:lstStyle/>
                     <a:p>
                       <a:pPr algn="ctr" latinLnBrk="1"/>
-                      <a:endParaRPr lang="ko-KR" altLang="en-US">
-                        <a:solidFill>
-                          <a:schemeClr val="tx1"/>
-                        </a:solidFill>
-                      </a:endParaRPr>
+                      <a:r>
+                        <a:rPr lang="ko-KR" altLang="en-US" dirty="0">
+                          <a:solidFill>
+                            <a:schemeClr val="tx1"/>
+                          </a:solidFill>
+                        </a:rPr>
+                        <a:t>버그 수정</a:t>
+                      </a:r>
                     </a:p>
                   </a:txBody>
                   <a:tcPr/>
@@ -6248,11 +6327,30 @@
                     <a:lstStyle/>
                     <a:p>
                       <a:pPr algn="ctr" latinLnBrk="1"/>
-                      <a:endParaRPr lang="ko-KR" altLang="en-US">
-                        <a:solidFill>
-                          <a:schemeClr val="tx1"/>
-                        </a:solidFill>
-                      </a:endParaRPr>
+                      <a:r>
+                        <a:rPr lang="ko-KR" altLang="en-US" dirty="0">
+                          <a:solidFill>
+                            <a:schemeClr val="tx1"/>
+                          </a:solidFill>
+                        </a:rPr>
+                        <a:t>버그 수정 </a:t>
+                      </a:r>
+                      <a:r>
+                        <a:rPr lang="en-US" altLang="ko-KR" dirty="0">
+                          <a:solidFill>
+                            <a:schemeClr val="tx1"/>
+                          </a:solidFill>
+                        </a:rPr>
+                        <a:t>,</a:t>
+                      </a:r>
+                      <a:r>
+                        <a:rPr lang="ko-KR" altLang="en-US" dirty="0">
+                          <a:solidFill>
+                            <a:schemeClr val="tx1"/>
+                          </a:solidFill>
+                        </a:rPr>
+                        <a:t>메일 연동 예정</a:t>
+                      </a:r>
                     </a:p>
                   </a:txBody>
                   <a:tcPr/>
@@ -6296,11 +6394,14 @@
                     <a:lstStyle/>
                     <a:p>
                       <a:pPr algn="ctr" latinLnBrk="1"/>
-                      <a:endParaRPr lang="ko-KR" altLang="en-US">
-                        <a:solidFill>
-                          <a:schemeClr val="tx1"/>
-                        </a:solidFill>
-                      </a:endParaRPr>
+                      <a:r>
+                        <a:rPr lang="ko-KR" altLang="en-US" dirty="0">
+                          <a:solidFill>
+                            <a:schemeClr val="tx1"/>
+                          </a:solidFill>
+                        </a:rPr>
+                        <a:t>버그 수정</a:t>
+                      </a:r>
                     </a:p>
                   </a:txBody>
                   <a:tcPr/>
@@ -6311,11 +6412,14 @@
                     <a:lstStyle/>
                     <a:p>
                       <a:pPr algn="ctr" latinLnBrk="1"/>
-                      <a:endParaRPr lang="ko-KR" altLang="en-US" dirty="0">
-                        <a:solidFill>
-                          <a:schemeClr val="tx1"/>
-                        </a:solidFill>
-                      </a:endParaRPr>
+                      <a:r>
+                        <a:rPr lang="ko-KR" altLang="en-US" dirty="0">
+                          <a:solidFill>
+                            <a:schemeClr val="tx1"/>
+                          </a:solidFill>
+                        </a:rPr>
+                        <a:t>버그 수정</a:t>
+                      </a:r>
                     </a:p>
                   </a:txBody>
                   <a:tcPr/>
